--- a/Poster/Draft Poster 1.pptx
+++ b/Poster/Draft Poster 1.pptx
@@ -6,6 +6,7 @@
   </p:sldMasterIdLst>
   <p:sldIdLst>
     <p:sldId id="256" r:id="rId2"/>
+    <p:sldId id="257" r:id="rId3"/>
   </p:sldIdLst>
   <p:sldSz cx="43891200" cy="32918400"/>
   <p:notesSz cx="6858000" cy="9144000"/>
@@ -104,6 +105,11 @@
       </a:defRPr>
     </a:lvl9pPr>
   </p:defaultTextStyle>
+  <p:extLst>
+    <p:ext uri="{EFAFB233-063F-42B5-8137-9DF3F51BA10A}">
+      <p15:sldGuideLst xmlns:p15="http://schemas.microsoft.com/office/powerpoint/2012/main"/>
+    </p:ext>
+  </p:extLst>
 </p:presentation>
 </file>
 
@@ -238,7 +244,7 @@
           <a:p>
             <a:fld id="{F41C2562-C414-48F0-B6A8-C2A2CC007AC1}" type="datetimeFigureOut">
               <a:rPr lang="en-US" smtClean="0"/>
-              <a:t>11/14/2020</a:t>
+              <a:t>12/6/2020</a:t>
             </a:fld>
             <a:endParaRPr lang="en-US"/>
           </a:p>
@@ -408,7 +414,7 @@
           <a:p>
             <a:fld id="{F41C2562-C414-48F0-B6A8-C2A2CC007AC1}" type="datetimeFigureOut">
               <a:rPr lang="en-US" smtClean="0"/>
-              <a:t>11/14/2020</a:t>
+              <a:t>12/6/2020</a:t>
             </a:fld>
             <a:endParaRPr lang="en-US"/>
           </a:p>
@@ -588,7 +594,7 @@
           <a:p>
             <a:fld id="{F41C2562-C414-48F0-B6A8-C2A2CC007AC1}" type="datetimeFigureOut">
               <a:rPr lang="en-US" smtClean="0"/>
-              <a:t>11/14/2020</a:t>
+              <a:t>12/6/2020</a:t>
             </a:fld>
             <a:endParaRPr lang="en-US"/>
           </a:p>
@@ -758,7 +764,7 @@
           <a:p>
             <a:fld id="{F41C2562-C414-48F0-B6A8-C2A2CC007AC1}" type="datetimeFigureOut">
               <a:rPr lang="en-US" smtClean="0"/>
-              <a:t>11/14/2020</a:t>
+              <a:t>12/6/2020</a:t>
             </a:fld>
             <a:endParaRPr lang="en-US"/>
           </a:p>
@@ -1002,7 +1008,7 @@
           <a:p>
             <a:fld id="{F41C2562-C414-48F0-B6A8-C2A2CC007AC1}" type="datetimeFigureOut">
               <a:rPr lang="en-US" smtClean="0"/>
-              <a:t>11/14/2020</a:t>
+              <a:t>12/6/2020</a:t>
             </a:fld>
             <a:endParaRPr lang="en-US"/>
           </a:p>
@@ -1234,7 +1240,7 @@
           <a:p>
             <a:fld id="{F41C2562-C414-48F0-B6A8-C2A2CC007AC1}" type="datetimeFigureOut">
               <a:rPr lang="en-US" smtClean="0"/>
-              <a:t>11/14/2020</a:t>
+              <a:t>12/6/2020</a:t>
             </a:fld>
             <a:endParaRPr lang="en-US"/>
           </a:p>
@@ -1601,7 +1607,7 @@
           <a:p>
             <a:fld id="{F41C2562-C414-48F0-B6A8-C2A2CC007AC1}" type="datetimeFigureOut">
               <a:rPr lang="en-US" smtClean="0"/>
-              <a:t>11/14/2020</a:t>
+              <a:t>12/6/2020</a:t>
             </a:fld>
             <a:endParaRPr lang="en-US"/>
           </a:p>
@@ -1719,7 +1725,7 @@
           <a:p>
             <a:fld id="{F41C2562-C414-48F0-B6A8-C2A2CC007AC1}" type="datetimeFigureOut">
               <a:rPr lang="en-US" smtClean="0"/>
-              <a:t>11/14/2020</a:t>
+              <a:t>12/6/2020</a:t>
             </a:fld>
             <a:endParaRPr lang="en-US"/>
           </a:p>
@@ -1814,7 +1820,7 @@
           <a:p>
             <a:fld id="{F41C2562-C414-48F0-B6A8-C2A2CC007AC1}" type="datetimeFigureOut">
               <a:rPr lang="en-US" smtClean="0"/>
-              <a:t>11/14/2020</a:t>
+              <a:t>12/6/2020</a:t>
             </a:fld>
             <a:endParaRPr lang="en-US"/>
           </a:p>
@@ -2091,7 +2097,7 @@
           <a:p>
             <a:fld id="{F41C2562-C414-48F0-B6A8-C2A2CC007AC1}" type="datetimeFigureOut">
               <a:rPr lang="en-US" smtClean="0"/>
-              <a:t>11/14/2020</a:t>
+              <a:t>12/6/2020</a:t>
             </a:fld>
             <a:endParaRPr lang="en-US"/>
           </a:p>
@@ -2348,7 +2354,7 @@
           <a:p>
             <a:fld id="{F41C2562-C414-48F0-B6A8-C2A2CC007AC1}" type="datetimeFigureOut">
               <a:rPr lang="en-US" smtClean="0"/>
-              <a:t>11/14/2020</a:t>
+              <a:t>12/6/2020</a:t>
             </a:fld>
             <a:endParaRPr lang="en-US"/>
           </a:p>
@@ -2561,7 +2567,7 @@
           <a:p>
             <a:fld id="{F41C2562-C414-48F0-B6A8-C2A2CC007AC1}" type="datetimeFigureOut">
               <a:rPr lang="en-US" smtClean="0"/>
-              <a:t>11/14/2020</a:t>
+              <a:t>12/6/2020</a:t>
             </a:fld>
             <a:endParaRPr lang="en-US"/>
           </a:p>
@@ -2952,6 +2958,21 @@
 <file path=ppt/slides/slide1.xml><?xml version="1.0" encoding="utf-8"?>
 <p:sld xmlns:a="http://schemas.openxmlformats.org/drawingml/2006/main" xmlns:r="http://schemas.openxmlformats.org/officeDocument/2006/relationships" xmlns:p="http://schemas.openxmlformats.org/presentationml/2006/main">
   <p:cSld>
+    <p:bg>
+      <p:bgPr>
+        <a:blipFill dpi="0" rotWithShape="1">
+          <a:blip r:embed="rId2">
+            <a:alphaModFix amt="75000"/>
+            <a:lum/>
+          </a:blip>
+          <a:srcRect/>
+          <a:stretch>
+            <a:fillRect l="-25000" r="-28000"/>
+          </a:stretch>
+        </a:blipFill>
+        <a:effectLst/>
+      </p:bgPr>
+    </p:bg>
     <p:spTree>
       <p:nvGrpSpPr>
         <p:cNvPr id="1" name=""/>
@@ -2966,10 +2987,648 @@
           <a:chExt cx="0" cy="0"/>
         </a:xfrm>
       </p:grpSpPr>
+      <p:sp>
+        <p:nvSpPr>
+          <p:cNvPr id="2" name="TextBox 1">
+            <a:extLst>
+              <a:ext uri="{FF2B5EF4-FFF2-40B4-BE49-F238E27FC236}">
+                <a16:creationId xmlns:a16="http://schemas.microsoft.com/office/drawing/2014/main" id="{1405C972-E232-4614-90D0-5E14519E9BDA}"/>
+              </a:ext>
+            </a:extLst>
+          </p:cNvPr>
+          <p:cNvSpPr txBox="1"/>
+          <p:nvPr/>
+        </p:nvSpPr>
+        <p:spPr>
+          <a:xfrm>
+            <a:off x="0" y="0"/>
+            <a:ext cx="43891200" cy="3708708"/>
+          </a:xfrm>
+          <a:prstGeom prst="rect">
+            <a:avLst/>
+          </a:prstGeom>
+          <a:noFill/>
+        </p:spPr>
+        <p:txBody>
+          <a:bodyPr wrap="square" rtlCol="0">
+            <a:spAutoFit/>
+          </a:bodyPr>
+          <a:lstStyle/>
+          <a:p>
+            <a:pPr algn="ctr"/>
+            <a:r>
+              <a:rPr lang="en-US" sz="11500" dirty="0"/>
+              <a:t>Personal &amp; Sustainable Strategies to Prevent Work-Related Burnout</a:t>
+            </a:r>
+          </a:p>
+          <a:p>
+            <a:pPr algn="ctr"/>
+            <a:r>
+              <a:rPr lang="en-US" sz="6000" dirty="0"/>
+              <a:t>Major: Applied Computing, Minor: Consciousness &amp; Creativity</a:t>
+            </a:r>
+          </a:p>
+          <a:p>
+            <a:pPr algn="ctr"/>
+            <a:r>
+              <a:rPr lang="en-US" sz="6000" dirty="0"/>
+              <a:t>By: Gabriel Smith-Dalrymple</a:t>
+            </a:r>
+          </a:p>
+        </p:txBody>
+      </p:sp>
+      <p:sp>
+        <p:nvSpPr>
+          <p:cNvPr id="3" name="TextBox 2">
+            <a:extLst>
+              <a:ext uri="{FF2B5EF4-FFF2-40B4-BE49-F238E27FC236}">
+                <a16:creationId xmlns:a16="http://schemas.microsoft.com/office/drawing/2014/main" id="{5F6FB757-58A7-49F9-B217-22173CB07168}"/>
+              </a:ext>
+            </a:extLst>
+          </p:cNvPr>
+          <p:cNvSpPr txBox="1"/>
+          <p:nvPr/>
+        </p:nvSpPr>
+        <p:spPr>
+          <a:xfrm>
+            <a:off x="0" y="31287184"/>
+            <a:ext cx="43891200" cy="1631216"/>
+          </a:xfrm>
+          <a:prstGeom prst="rect">
+            <a:avLst/>
+          </a:prstGeom>
+          <a:noFill/>
+        </p:spPr>
+        <p:txBody>
+          <a:bodyPr wrap="square" rtlCol="0">
+            <a:spAutoFit/>
+          </a:bodyPr>
+          <a:lstStyle/>
+          <a:p>
+            <a:pPr algn="ctr"/>
+            <a:r>
+              <a:rPr lang="en-US" sz="10000" dirty="0"/>
+              <a:t>University of Washington | Bothell</a:t>
+            </a:r>
+          </a:p>
+        </p:txBody>
+      </p:sp>
+      <p:sp>
+        <p:nvSpPr>
+          <p:cNvPr id="6" name="Rectangle: Rounded Corners 5">
+            <a:extLst>
+              <a:ext uri="{FF2B5EF4-FFF2-40B4-BE49-F238E27FC236}">
+                <a16:creationId xmlns:a16="http://schemas.microsoft.com/office/drawing/2014/main" id="{FCFF9C8C-0BA0-42E7-AD9A-711B4C56BADC}"/>
+              </a:ext>
+            </a:extLst>
+          </p:cNvPr>
+          <p:cNvSpPr/>
+          <p:nvPr/>
+        </p:nvSpPr>
+        <p:spPr>
+          <a:xfrm>
+            <a:off x="174169" y="4659085"/>
+            <a:ext cx="15109364" cy="8191060"/>
+          </a:xfrm>
+          <a:prstGeom prst="roundRect">
+            <a:avLst/>
+          </a:prstGeom>
+          <a:solidFill>
+            <a:schemeClr val="accent1">
+              <a:alpha val="70000"/>
+            </a:schemeClr>
+          </a:solidFill>
+        </p:spPr>
+        <p:style>
+          <a:lnRef idx="2">
+            <a:schemeClr val="accent1">
+              <a:shade val="50000"/>
+            </a:schemeClr>
+          </a:lnRef>
+          <a:fillRef idx="1">
+            <a:schemeClr val="accent1"/>
+          </a:fillRef>
+          <a:effectRef idx="0">
+            <a:schemeClr val="accent1"/>
+          </a:effectRef>
+          <a:fontRef idx="minor">
+            <a:schemeClr val="lt1"/>
+          </a:fontRef>
+        </p:style>
+        <p:txBody>
+          <a:bodyPr rtlCol="0" anchor="ctr"/>
+          <a:lstStyle/>
+          <a:p>
+            <a:pPr algn="ctr"/>
+            <a:r>
+              <a:rPr lang="en-US" sz="6000" dirty="0"/>
+              <a:t>Introduction</a:t>
+            </a:r>
+          </a:p>
+        </p:txBody>
+      </p:sp>
+      <p:sp>
+        <p:nvSpPr>
+          <p:cNvPr id="8" name="Rectangle: Rounded Corners 7">
+            <a:extLst>
+              <a:ext uri="{FF2B5EF4-FFF2-40B4-BE49-F238E27FC236}">
+                <a16:creationId xmlns:a16="http://schemas.microsoft.com/office/drawing/2014/main" id="{12F0F759-1229-4714-B841-3F84D0546AD4}"/>
+              </a:ext>
+            </a:extLst>
+          </p:cNvPr>
+          <p:cNvSpPr/>
+          <p:nvPr/>
+        </p:nvSpPr>
+        <p:spPr>
+          <a:xfrm>
+            <a:off x="174169" y="13577181"/>
+            <a:ext cx="15109364" cy="8191060"/>
+          </a:xfrm>
+          <a:prstGeom prst="roundRect">
+            <a:avLst/>
+          </a:prstGeom>
+          <a:solidFill>
+            <a:schemeClr val="accent1">
+              <a:alpha val="70000"/>
+            </a:schemeClr>
+          </a:solidFill>
+        </p:spPr>
+        <p:style>
+          <a:lnRef idx="2">
+            <a:schemeClr val="accent1">
+              <a:shade val="50000"/>
+            </a:schemeClr>
+          </a:lnRef>
+          <a:fillRef idx="1">
+            <a:schemeClr val="accent1"/>
+          </a:fillRef>
+          <a:effectRef idx="0">
+            <a:schemeClr val="accent1"/>
+          </a:effectRef>
+          <a:fontRef idx="minor">
+            <a:schemeClr val="lt1"/>
+          </a:fontRef>
+        </p:style>
+        <p:txBody>
+          <a:bodyPr rtlCol="0" anchor="ctr"/>
+          <a:lstStyle/>
+          <a:p>
+            <a:pPr algn="ctr"/>
+            <a:r>
+              <a:rPr lang="en-US" sz="6000" dirty="0"/>
+              <a:t>Background</a:t>
+            </a:r>
+          </a:p>
+        </p:txBody>
+      </p:sp>
+      <p:sp>
+        <p:nvSpPr>
+          <p:cNvPr id="9" name="Rectangle: Rounded Corners 8">
+            <a:extLst>
+              <a:ext uri="{FF2B5EF4-FFF2-40B4-BE49-F238E27FC236}">
+                <a16:creationId xmlns:a16="http://schemas.microsoft.com/office/drawing/2014/main" id="{FCD5190A-2F27-43F9-9C6B-097CF6777B07}"/>
+              </a:ext>
+            </a:extLst>
+          </p:cNvPr>
+          <p:cNvSpPr/>
+          <p:nvPr/>
+        </p:nvSpPr>
+        <p:spPr>
+          <a:xfrm>
+            <a:off x="174169" y="22495278"/>
+            <a:ext cx="15109364" cy="8191060"/>
+          </a:xfrm>
+          <a:prstGeom prst="roundRect">
+            <a:avLst/>
+          </a:prstGeom>
+          <a:solidFill>
+            <a:schemeClr val="accent1">
+              <a:alpha val="70000"/>
+            </a:schemeClr>
+          </a:solidFill>
+        </p:spPr>
+        <p:style>
+          <a:lnRef idx="2">
+            <a:schemeClr val="accent1">
+              <a:shade val="50000"/>
+            </a:schemeClr>
+          </a:lnRef>
+          <a:fillRef idx="1">
+            <a:schemeClr val="accent1"/>
+          </a:fillRef>
+          <a:effectRef idx="0">
+            <a:schemeClr val="accent1"/>
+          </a:effectRef>
+          <a:fontRef idx="minor">
+            <a:schemeClr val="lt1"/>
+          </a:fontRef>
+        </p:style>
+        <p:txBody>
+          <a:bodyPr rtlCol="0" anchor="ctr"/>
+          <a:lstStyle/>
+          <a:p>
+            <a:pPr algn="ctr"/>
+            <a:r>
+              <a:rPr lang="en-US" sz="6000" dirty="0"/>
+              <a:t>Design</a:t>
+            </a:r>
+          </a:p>
+        </p:txBody>
+      </p:sp>
+      <p:sp>
+        <p:nvSpPr>
+          <p:cNvPr id="10" name="Rectangle: Rounded Corners 9">
+            <a:extLst>
+              <a:ext uri="{FF2B5EF4-FFF2-40B4-BE49-F238E27FC236}">
+                <a16:creationId xmlns:a16="http://schemas.microsoft.com/office/drawing/2014/main" id="{56F5A00E-5553-4876-A279-BCF48EFD6163}"/>
+              </a:ext>
+            </a:extLst>
+          </p:cNvPr>
+          <p:cNvSpPr/>
+          <p:nvPr/>
+        </p:nvSpPr>
+        <p:spPr>
+          <a:xfrm>
+            <a:off x="15980219" y="4353097"/>
+            <a:ext cx="8839203" cy="26159070"/>
+          </a:xfrm>
+          <a:prstGeom prst="roundRect">
+            <a:avLst/>
+          </a:prstGeom>
+          <a:solidFill>
+            <a:schemeClr val="accent1">
+              <a:alpha val="70000"/>
+            </a:schemeClr>
+          </a:solidFill>
+        </p:spPr>
+        <p:style>
+          <a:lnRef idx="2">
+            <a:schemeClr val="accent1">
+              <a:shade val="50000"/>
+            </a:schemeClr>
+          </a:lnRef>
+          <a:fillRef idx="1">
+            <a:schemeClr val="accent1"/>
+          </a:fillRef>
+          <a:effectRef idx="0">
+            <a:schemeClr val="accent1"/>
+          </a:effectRef>
+          <a:fontRef idx="minor">
+            <a:schemeClr val="lt1"/>
+          </a:fontRef>
+        </p:style>
+        <p:txBody>
+          <a:bodyPr rtlCol="0" anchor="ctr"/>
+          <a:lstStyle/>
+          <a:p>
+            <a:pPr algn="ctr"/>
+            <a:r>
+              <a:rPr lang="en-US" sz="6000" dirty="0"/>
+              <a:t>Process</a:t>
+            </a:r>
+          </a:p>
+        </p:txBody>
+      </p:sp>
+      <p:sp>
+        <p:nvSpPr>
+          <p:cNvPr id="11" name="Rectangle: Rounded Corners 10">
+            <a:extLst>
+              <a:ext uri="{FF2B5EF4-FFF2-40B4-BE49-F238E27FC236}">
+                <a16:creationId xmlns:a16="http://schemas.microsoft.com/office/drawing/2014/main" id="{C87B49A2-D672-4971-B279-E620FB761D55}"/>
+              </a:ext>
+            </a:extLst>
+          </p:cNvPr>
+          <p:cNvSpPr/>
+          <p:nvPr/>
+        </p:nvSpPr>
+        <p:spPr>
+          <a:xfrm>
+            <a:off x="25516108" y="4440182"/>
+            <a:ext cx="8839203" cy="26159070"/>
+          </a:xfrm>
+          <a:prstGeom prst="roundRect">
+            <a:avLst/>
+          </a:prstGeom>
+          <a:solidFill>
+            <a:schemeClr val="accent1">
+              <a:alpha val="70000"/>
+            </a:schemeClr>
+          </a:solidFill>
+        </p:spPr>
+        <p:style>
+          <a:lnRef idx="2">
+            <a:schemeClr val="accent1">
+              <a:shade val="50000"/>
+            </a:schemeClr>
+          </a:lnRef>
+          <a:fillRef idx="1">
+            <a:schemeClr val="accent1"/>
+          </a:fillRef>
+          <a:effectRef idx="0">
+            <a:schemeClr val="accent1"/>
+          </a:effectRef>
+          <a:fontRef idx="minor">
+            <a:schemeClr val="lt1"/>
+          </a:fontRef>
+        </p:style>
+        <p:txBody>
+          <a:bodyPr rtlCol="0" anchor="ctr"/>
+          <a:lstStyle/>
+          <a:p>
+            <a:pPr algn="ctr"/>
+            <a:r>
+              <a:rPr lang="en-US" sz="6000" dirty="0"/>
+              <a:t>Results</a:t>
+            </a:r>
+          </a:p>
+        </p:txBody>
+      </p:sp>
+      <p:sp>
+        <p:nvSpPr>
+          <p:cNvPr id="12" name="Rectangle: Rounded Corners 11">
+            <a:extLst>
+              <a:ext uri="{FF2B5EF4-FFF2-40B4-BE49-F238E27FC236}">
+                <a16:creationId xmlns:a16="http://schemas.microsoft.com/office/drawing/2014/main" id="{859E30F0-9C1B-40CB-9078-31D11E5BDC10}"/>
+              </a:ext>
+            </a:extLst>
+          </p:cNvPr>
+          <p:cNvSpPr/>
+          <p:nvPr/>
+        </p:nvSpPr>
+        <p:spPr>
+          <a:xfrm>
+            <a:off x="35051997" y="4483725"/>
+            <a:ext cx="8839203" cy="26159070"/>
+          </a:xfrm>
+          <a:prstGeom prst="roundRect">
+            <a:avLst/>
+          </a:prstGeom>
+          <a:solidFill>
+            <a:schemeClr val="accent1">
+              <a:alpha val="70000"/>
+            </a:schemeClr>
+          </a:solidFill>
+        </p:spPr>
+        <p:style>
+          <a:lnRef idx="2">
+            <a:schemeClr val="accent1">
+              <a:shade val="50000"/>
+            </a:schemeClr>
+          </a:lnRef>
+          <a:fillRef idx="1">
+            <a:schemeClr val="accent1"/>
+          </a:fillRef>
+          <a:effectRef idx="0">
+            <a:schemeClr val="accent1"/>
+          </a:effectRef>
+          <a:fontRef idx="minor">
+            <a:schemeClr val="lt1"/>
+          </a:fontRef>
+        </p:style>
+        <p:txBody>
+          <a:bodyPr rtlCol="0" anchor="ctr"/>
+          <a:lstStyle/>
+          <a:p>
+            <a:pPr algn="ctr"/>
+            <a:r>
+              <a:rPr lang="en-US" sz="6000" dirty="0"/>
+              <a:t>Conclusion</a:t>
+            </a:r>
+          </a:p>
+        </p:txBody>
+      </p:sp>
     </p:spTree>
     <p:extLst>
       <p:ext uri="{BB962C8B-B14F-4D97-AF65-F5344CB8AC3E}">
         <p14:creationId xmlns:p14="http://schemas.microsoft.com/office/powerpoint/2010/main" val="813782525"/>
+      </p:ext>
+    </p:extLst>
+  </p:cSld>
+  <p:clrMapOvr>
+    <a:masterClrMapping/>
+  </p:clrMapOvr>
+</p:sld>
+</file>
+
+<file path=ppt/slides/slide2.xml><?xml version="1.0" encoding="utf-8"?>
+<p:sld xmlns:a="http://schemas.openxmlformats.org/drawingml/2006/main" xmlns:r="http://schemas.openxmlformats.org/officeDocument/2006/relationships" xmlns:p="http://schemas.openxmlformats.org/presentationml/2006/main">
+  <p:cSld>
+    <p:bg>
+      <p:bgPr>
+        <a:solidFill>
+          <a:schemeClr val="bg1"/>
+        </a:solidFill>
+        <a:effectLst/>
+      </p:bgPr>
+    </p:bg>
+    <p:spTree>
+      <p:nvGrpSpPr>
+        <p:cNvPr id="1" name=""/>
+        <p:cNvGrpSpPr/>
+        <p:nvPr/>
+      </p:nvGrpSpPr>
+      <p:grpSpPr>
+        <a:xfrm>
+          <a:off x="0" y="0"/>
+          <a:ext cx="0" cy="0"/>
+          <a:chOff x="0" y="0"/>
+          <a:chExt cx="0" cy="0"/>
+        </a:xfrm>
+      </p:grpSpPr>
+      <p:sp>
+        <p:nvSpPr>
+          <p:cNvPr id="10" name="Rectangle 9">
+            <a:extLst>
+              <a:ext uri="{FF2B5EF4-FFF2-40B4-BE49-F238E27FC236}">
+                <a16:creationId xmlns:a16="http://schemas.microsoft.com/office/drawing/2014/main" id="{42A4FC2C-047E-45A5-965D-8E1E3BF09BC6}"/>
+              </a:ext>
+              <a:ext uri="{C183D7F6-B498-43B3-948B-1728B52AA6E4}">
+                <adec:decorative xmlns:adec="http://schemas.microsoft.com/office/drawing/2017/decorative" val="1"/>
+              </a:ext>
+            </a:extLst>
+          </p:cNvPr>
+          <p:cNvSpPr>
+            <a:spLocks noGrp="1" noRot="1" noChangeAspect="1" noMove="1" noResize="1" noEditPoints="1" noAdjustHandles="1" noChangeArrowheads="1" noChangeShapeType="1" noTextEdit="1"/>
+          </p:cNvSpPr>
+          <p:nvPr>
+            <p:extLst>
+              <p:ext uri="{386F3935-93C4-4BCD-93E2-E3B085C9AB24}">
+                <p16:designElem xmlns:p16="http://schemas.microsoft.com/office/powerpoint/2015/main" val="1"/>
+              </p:ext>
+            </p:extLst>
+          </p:nvPr>
+        </p:nvSpPr>
+        <p:spPr bwMode="white">
+          <a:xfrm>
+            <a:off x="5486" y="0"/>
+            <a:ext cx="43880227" cy="32918400"/>
+          </a:xfrm>
+          <a:prstGeom prst="rect">
+            <a:avLst/>
+          </a:prstGeom>
+          <a:noFill/>
+          <a:ln>
+            <a:noFill/>
+          </a:ln>
+        </p:spPr>
+        <p:style>
+          <a:lnRef idx="2">
+            <a:schemeClr val="accent1">
+              <a:shade val="50000"/>
+            </a:schemeClr>
+          </a:lnRef>
+          <a:fillRef idx="1">
+            <a:schemeClr val="accent1"/>
+          </a:fillRef>
+          <a:effectRef idx="0">
+            <a:schemeClr val="accent1"/>
+          </a:effectRef>
+          <a:fontRef idx="minor">
+            <a:schemeClr val="lt1"/>
+          </a:fontRef>
+        </p:style>
+        <p:txBody>
+          <a:bodyPr rtlCol="0" anchor="ctr"/>
+          <a:lstStyle>
+            <a:defPPr>
+              <a:defRPr lang="en-US"/>
+            </a:defPPr>
+            <a:lvl1pPr marL="0" algn="l" defTabSz="914400" rtl="0" eaLnBrk="1" latinLnBrk="0" hangingPunct="1">
+              <a:defRPr sz="1800" kern="1200">
+                <a:solidFill>
+                  <a:schemeClr val="lt1"/>
+                </a:solidFill>
+                <a:latin typeface="+mn-lt"/>
+                <a:ea typeface="+mn-ea"/>
+                <a:cs typeface="+mn-cs"/>
+              </a:defRPr>
+            </a:lvl1pPr>
+            <a:lvl2pPr marL="457200" algn="l" defTabSz="914400" rtl="0" eaLnBrk="1" latinLnBrk="0" hangingPunct="1">
+              <a:defRPr sz="1800" kern="1200">
+                <a:solidFill>
+                  <a:schemeClr val="lt1"/>
+                </a:solidFill>
+                <a:latin typeface="+mn-lt"/>
+                <a:ea typeface="+mn-ea"/>
+                <a:cs typeface="+mn-cs"/>
+              </a:defRPr>
+            </a:lvl2pPr>
+            <a:lvl3pPr marL="914400" algn="l" defTabSz="914400" rtl="0" eaLnBrk="1" latinLnBrk="0" hangingPunct="1">
+              <a:defRPr sz="1800" kern="1200">
+                <a:solidFill>
+                  <a:schemeClr val="lt1"/>
+                </a:solidFill>
+                <a:latin typeface="+mn-lt"/>
+                <a:ea typeface="+mn-ea"/>
+                <a:cs typeface="+mn-cs"/>
+              </a:defRPr>
+            </a:lvl3pPr>
+            <a:lvl4pPr marL="1371600" algn="l" defTabSz="914400" rtl="0" eaLnBrk="1" latinLnBrk="0" hangingPunct="1">
+              <a:defRPr sz="1800" kern="1200">
+                <a:solidFill>
+                  <a:schemeClr val="lt1"/>
+                </a:solidFill>
+                <a:latin typeface="+mn-lt"/>
+                <a:ea typeface="+mn-ea"/>
+                <a:cs typeface="+mn-cs"/>
+              </a:defRPr>
+            </a:lvl4pPr>
+            <a:lvl5pPr marL="1828800" algn="l" defTabSz="914400" rtl="0" eaLnBrk="1" latinLnBrk="0" hangingPunct="1">
+              <a:defRPr sz="1800" kern="1200">
+                <a:solidFill>
+                  <a:schemeClr val="lt1"/>
+                </a:solidFill>
+                <a:latin typeface="+mn-lt"/>
+                <a:ea typeface="+mn-ea"/>
+                <a:cs typeface="+mn-cs"/>
+              </a:defRPr>
+            </a:lvl5pPr>
+            <a:lvl6pPr marL="2286000" algn="l" defTabSz="914400" rtl="0" eaLnBrk="1" latinLnBrk="0" hangingPunct="1">
+              <a:defRPr sz="1800" kern="1200">
+                <a:solidFill>
+                  <a:schemeClr val="lt1"/>
+                </a:solidFill>
+                <a:latin typeface="+mn-lt"/>
+                <a:ea typeface="+mn-ea"/>
+                <a:cs typeface="+mn-cs"/>
+              </a:defRPr>
+            </a:lvl6pPr>
+            <a:lvl7pPr marL="2743200" algn="l" defTabSz="914400" rtl="0" eaLnBrk="1" latinLnBrk="0" hangingPunct="1">
+              <a:defRPr sz="1800" kern="1200">
+                <a:solidFill>
+                  <a:schemeClr val="lt1"/>
+                </a:solidFill>
+                <a:latin typeface="+mn-lt"/>
+                <a:ea typeface="+mn-ea"/>
+                <a:cs typeface="+mn-cs"/>
+              </a:defRPr>
+            </a:lvl7pPr>
+            <a:lvl8pPr marL="3200400" algn="l" defTabSz="914400" rtl="0" eaLnBrk="1" latinLnBrk="0" hangingPunct="1">
+              <a:defRPr sz="1800" kern="1200">
+                <a:solidFill>
+                  <a:schemeClr val="lt1"/>
+                </a:solidFill>
+                <a:latin typeface="+mn-lt"/>
+                <a:ea typeface="+mn-ea"/>
+                <a:cs typeface="+mn-cs"/>
+              </a:defRPr>
+            </a:lvl8pPr>
+            <a:lvl9pPr marL="3657600" algn="l" defTabSz="914400" rtl="0" eaLnBrk="1" latinLnBrk="0" hangingPunct="1">
+              <a:defRPr sz="1800" kern="1200">
+                <a:solidFill>
+                  <a:schemeClr val="lt1"/>
+                </a:solidFill>
+                <a:latin typeface="+mn-lt"/>
+                <a:ea typeface="+mn-ea"/>
+                <a:cs typeface="+mn-cs"/>
+              </a:defRPr>
+            </a:lvl9pPr>
+          </a:lstStyle>
+          <a:p>
+            <a:pPr algn="ctr"/>
+            <a:endParaRPr lang="en-US"/>
+          </a:p>
+        </p:txBody>
+      </p:sp>
+      <p:pic>
+        <p:nvPicPr>
+          <p:cNvPr id="5" name="Picture 4" descr="Timeline&#10;&#10;Description automatically generated">
+            <a:extLst>
+              <a:ext uri="{FF2B5EF4-FFF2-40B4-BE49-F238E27FC236}">
+                <a16:creationId xmlns:a16="http://schemas.microsoft.com/office/drawing/2014/main" id="{474ED9B0-395B-4AEF-9F1C-F43DB424F95D}"/>
+              </a:ext>
+            </a:extLst>
+          </p:cNvPr>
+          <p:cNvPicPr>
+            <a:picLocks noChangeAspect="1"/>
+          </p:cNvPicPr>
+          <p:nvPr/>
+        </p:nvPicPr>
+        <p:blipFill rotWithShape="1">
+          <a:blip r:embed="rId2">
+            <a:extLst>
+              <a:ext uri="{28A0092B-C50C-407E-A947-70E740481C1C}">
+                <a14:useLocalDpi xmlns:a14="http://schemas.microsoft.com/office/drawing/2010/main" val="0"/>
+              </a:ext>
+            </a:extLst>
+          </a:blip>
+          <a:srcRect t="7409" b="24166"/>
+          <a:stretch/>
+        </p:blipFill>
+        <p:spPr>
+          <a:xfrm>
+            <a:off x="-5467" y="6153"/>
+            <a:ext cx="43891180" cy="32912247"/>
+          </a:xfrm>
+          <a:prstGeom prst="rect">
+            <a:avLst/>
+          </a:prstGeom>
+        </p:spPr>
+      </p:pic>
+    </p:spTree>
+    <p:extLst>
+      <p:ext uri="{BB962C8B-B14F-4D97-AF65-F5344CB8AC3E}">
+        <p14:creationId xmlns:p14="http://schemas.microsoft.com/office/powerpoint/2010/main" val="2573592561"/>
       </p:ext>
     </p:extLst>
   </p:cSld>

--- a/Poster/Draft Poster 1.pptx
+++ b/Poster/Draft Poster 1.pptx
@@ -4,9 +4,13 @@
   <p:sldMasterIdLst>
     <p:sldMasterId id="2147483660" r:id="rId1"/>
   </p:sldMasterIdLst>
+  <p:notesMasterIdLst>
+    <p:notesMasterId r:id="rId5"/>
+  </p:notesMasterIdLst>
   <p:sldIdLst>
     <p:sldId id="256" r:id="rId2"/>
     <p:sldId id="257" r:id="rId3"/>
+    <p:sldId id="258" r:id="rId4"/>
   </p:sldIdLst>
   <p:sldSz cx="43891200" cy="32918400"/>
   <p:notesSz cx="6858000" cy="9144000"/>
@@ -113,6 +117,550 @@
 </p:presentation>
 </file>
 
+<file path=ppt/notesMasters/notesMaster1.xml><?xml version="1.0" encoding="utf-8"?>
+<p:notesMaster xmlns:a="http://schemas.openxmlformats.org/drawingml/2006/main" xmlns:r="http://schemas.openxmlformats.org/officeDocument/2006/relationships" xmlns:p="http://schemas.openxmlformats.org/presentationml/2006/main">
+  <p:cSld>
+    <p:bg>
+      <p:bgRef idx="1001">
+        <a:schemeClr val="bg1"/>
+      </p:bgRef>
+    </p:bg>
+    <p:spTree>
+      <p:nvGrpSpPr>
+        <p:cNvPr id="1" name=""/>
+        <p:cNvGrpSpPr/>
+        <p:nvPr/>
+      </p:nvGrpSpPr>
+      <p:grpSpPr>
+        <a:xfrm>
+          <a:off x="0" y="0"/>
+          <a:ext cx="0" cy="0"/>
+          <a:chOff x="0" y="0"/>
+          <a:chExt cx="0" cy="0"/>
+        </a:xfrm>
+      </p:grpSpPr>
+      <p:sp>
+        <p:nvSpPr>
+          <p:cNvPr id="2" name="Header Placeholder 1"/>
+          <p:cNvSpPr>
+            <a:spLocks noGrp="1"/>
+          </p:cNvSpPr>
+          <p:nvPr>
+            <p:ph type="hdr" sz="quarter"/>
+          </p:nvPr>
+        </p:nvSpPr>
+        <p:spPr>
+          <a:xfrm>
+            <a:off x="0" y="0"/>
+            <a:ext cx="2971800" cy="458788"/>
+          </a:xfrm>
+          <a:prstGeom prst="rect">
+            <a:avLst/>
+          </a:prstGeom>
+        </p:spPr>
+        <p:txBody>
+          <a:bodyPr vert="horz" lIns="91440" tIns="45720" rIns="91440" bIns="45720" rtlCol="0"/>
+          <a:lstStyle>
+            <a:lvl1pPr algn="l">
+              <a:defRPr sz="1200"/>
+            </a:lvl1pPr>
+          </a:lstStyle>
+          <a:p>
+            <a:endParaRPr lang="en-US"/>
+          </a:p>
+        </p:txBody>
+      </p:sp>
+      <p:sp>
+        <p:nvSpPr>
+          <p:cNvPr id="3" name="Date Placeholder 2"/>
+          <p:cNvSpPr>
+            <a:spLocks noGrp="1"/>
+          </p:cNvSpPr>
+          <p:nvPr>
+            <p:ph type="dt" idx="1"/>
+          </p:nvPr>
+        </p:nvSpPr>
+        <p:spPr>
+          <a:xfrm>
+            <a:off x="3884613" y="0"/>
+            <a:ext cx="2971800" cy="458788"/>
+          </a:xfrm>
+          <a:prstGeom prst="rect">
+            <a:avLst/>
+          </a:prstGeom>
+        </p:spPr>
+        <p:txBody>
+          <a:bodyPr vert="horz" lIns="91440" tIns="45720" rIns="91440" bIns="45720" rtlCol="0"/>
+          <a:lstStyle>
+            <a:lvl1pPr algn="r">
+              <a:defRPr sz="1200"/>
+            </a:lvl1pPr>
+          </a:lstStyle>
+          <a:p>
+            <a:fld id="{33CB096D-BD20-47CB-96D8-AA13460A6524}" type="datetimeFigureOut">
+              <a:rPr lang="en-US" smtClean="0"/>
+              <a:t>12/10/2020</a:t>
+            </a:fld>
+            <a:endParaRPr lang="en-US"/>
+          </a:p>
+        </p:txBody>
+      </p:sp>
+      <p:sp>
+        <p:nvSpPr>
+          <p:cNvPr id="4" name="Slide Image Placeholder 3"/>
+          <p:cNvSpPr>
+            <a:spLocks noGrp="1" noRot="1" noChangeAspect="1"/>
+          </p:cNvSpPr>
+          <p:nvPr>
+            <p:ph type="sldImg" idx="2"/>
+          </p:nvPr>
+        </p:nvSpPr>
+        <p:spPr>
+          <a:xfrm>
+            <a:off x="1371600" y="1143000"/>
+            <a:ext cx="4114800" cy="3086100"/>
+          </a:xfrm>
+          <a:prstGeom prst="rect">
+            <a:avLst/>
+          </a:prstGeom>
+          <a:noFill/>
+          <a:ln w="12700">
+            <a:solidFill>
+              <a:prstClr val="black"/>
+            </a:solidFill>
+          </a:ln>
+        </p:spPr>
+        <p:txBody>
+          <a:bodyPr vert="horz" lIns="91440" tIns="45720" rIns="91440" bIns="45720" rtlCol="0" anchor="ctr"/>
+          <a:lstStyle/>
+          <a:p>
+            <a:endParaRPr lang="en-US"/>
+          </a:p>
+        </p:txBody>
+      </p:sp>
+      <p:sp>
+        <p:nvSpPr>
+          <p:cNvPr id="5" name="Notes Placeholder 4"/>
+          <p:cNvSpPr>
+            <a:spLocks noGrp="1"/>
+          </p:cNvSpPr>
+          <p:nvPr>
+            <p:ph type="body" sz="quarter" idx="3"/>
+          </p:nvPr>
+        </p:nvSpPr>
+        <p:spPr>
+          <a:xfrm>
+            <a:off x="685800" y="4400550"/>
+            <a:ext cx="5486400" cy="3600450"/>
+          </a:xfrm>
+          <a:prstGeom prst="rect">
+            <a:avLst/>
+          </a:prstGeom>
+        </p:spPr>
+        <p:txBody>
+          <a:bodyPr vert="horz" lIns="91440" tIns="45720" rIns="91440" bIns="45720" rtlCol="0"/>
+          <a:lstStyle/>
+          <a:p>
+            <a:pPr lvl="0"/>
+            <a:r>
+              <a:rPr lang="en-US"/>
+              <a:t>Click to edit Master text styles</a:t>
+            </a:r>
+          </a:p>
+          <a:p>
+            <a:pPr lvl="1"/>
+            <a:r>
+              <a:rPr lang="en-US"/>
+              <a:t>Second level</a:t>
+            </a:r>
+          </a:p>
+          <a:p>
+            <a:pPr lvl="2"/>
+            <a:r>
+              <a:rPr lang="en-US"/>
+              <a:t>Third level</a:t>
+            </a:r>
+          </a:p>
+          <a:p>
+            <a:pPr lvl="3"/>
+            <a:r>
+              <a:rPr lang="en-US"/>
+              <a:t>Fourth level</a:t>
+            </a:r>
+          </a:p>
+          <a:p>
+            <a:pPr lvl="4"/>
+            <a:r>
+              <a:rPr lang="en-US"/>
+              <a:t>Fifth level</a:t>
+            </a:r>
+          </a:p>
+        </p:txBody>
+      </p:sp>
+      <p:sp>
+        <p:nvSpPr>
+          <p:cNvPr id="6" name="Footer Placeholder 5"/>
+          <p:cNvSpPr>
+            <a:spLocks noGrp="1"/>
+          </p:cNvSpPr>
+          <p:nvPr>
+            <p:ph type="ftr" sz="quarter" idx="4"/>
+          </p:nvPr>
+        </p:nvSpPr>
+        <p:spPr>
+          <a:xfrm>
+            <a:off x="0" y="8685213"/>
+            <a:ext cx="2971800" cy="458787"/>
+          </a:xfrm>
+          <a:prstGeom prst="rect">
+            <a:avLst/>
+          </a:prstGeom>
+        </p:spPr>
+        <p:txBody>
+          <a:bodyPr vert="horz" lIns="91440" tIns="45720" rIns="91440" bIns="45720" rtlCol="0" anchor="b"/>
+          <a:lstStyle>
+            <a:lvl1pPr algn="l">
+              <a:defRPr sz="1200"/>
+            </a:lvl1pPr>
+          </a:lstStyle>
+          <a:p>
+            <a:endParaRPr lang="en-US"/>
+          </a:p>
+        </p:txBody>
+      </p:sp>
+      <p:sp>
+        <p:nvSpPr>
+          <p:cNvPr id="7" name="Slide Number Placeholder 6"/>
+          <p:cNvSpPr>
+            <a:spLocks noGrp="1"/>
+          </p:cNvSpPr>
+          <p:nvPr>
+            <p:ph type="sldNum" sz="quarter" idx="5"/>
+          </p:nvPr>
+        </p:nvSpPr>
+        <p:spPr>
+          <a:xfrm>
+            <a:off x="3884613" y="8685213"/>
+            <a:ext cx="2971800" cy="458787"/>
+          </a:xfrm>
+          <a:prstGeom prst="rect">
+            <a:avLst/>
+          </a:prstGeom>
+        </p:spPr>
+        <p:txBody>
+          <a:bodyPr vert="horz" lIns="91440" tIns="45720" rIns="91440" bIns="45720" rtlCol="0" anchor="b"/>
+          <a:lstStyle>
+            <a:lvl1pPr algn="r">
+              <a:defRPr sz="1200"/>
+            </a:lvl1pPr>
+          </a:lstStyle>
+          <a:p>
+            <a:fld id="{FD2A8ECF-3F21-49FB-A2CA-29EF14458E3A}" type="slidenum">
+              <a:rPr lang="en-US" smtClean="0"/>
+              <a:t>‹#›</a:t>
+            </a:fld>
+            <a:endParaRPr lang="en-US"/>
+          </a:p>
+        </p:txBody>
+      </p:sp>
+    </p:spTree>
+    <p:extLst>
+      <p:ext uri="{BB962C8B-B14F-4D97-AF65-F5344CB8AC3E}">
+        <p14:creationId xmlns:p14="http://schemas.microsoft.com/office/powerpoint/2010/main" val="1654576344"/>
+      </p:ext>
+    </p:extLst>
+  </p:cSld>
+  <p:clrMap bg1="lt1" tx1="dk1" bg2="lt2" tx2="dk2" accent1="accent1" accent2="accent2" accent3="accent3" accent4="accent4" accent5="accent5" accent6="accent6" hlink="hlink" folHlink="folHlink"/>
+  <p:notesStyle>
+    <a:lvl1pPr marL="0" algn="l" defTabSz="914400" rtl="0" eaLnBrk="1" latinLnBrk="0" hangingPunct="1">
+      <a:defRPr sz="1200" kern="1200">
+        <a:solidFill>
+          <a:schemeClr val="tx1"/>
+        </a:solidFill>
+        <a:latin typeface="+mn-lt"/>
+        <a:ea typeface="+mn-ea"/>
+        <a:cs typeface="+mn-cs"/>
+      </a:defRPr>
+    </a:lvl1pPr>
+    <a:lvl2pPr marL="457200" algn="l" defTabSz="914400" rtl="0" eaLnBrk="1" latinLnBrk="0" hangingPunct="1">
+      <a:defRPr sz="1200" kern="1200">
+        <a:solidFill>
+          <a:schemeClr val="tx1"/>
+        </a:solidFill>
+        <a:latin typeface="+mn-lt"/>
+        <a:ea typeface="+mn-ea"/>
+        <a:cs typeface="+mn-cs"/>
+      </a:defRPr>
+    </a:lvl2pPr>
+    <a:lvl3pPr marL="914400" algn="l" defTabSz="914400" rtl="0" eaLnBrk="1" latinLnBrk="0" hangingPunct="1">
+      <a:defRPr sz="1200" kern="1200">
+        <a:solidFill>
+          <a:schemeClr val="tx1"/>
+        </a:solidFill>
+        <a:latin typeface="+mn-lt"/>
+        <a:ea typeface="+mn-ea"/>
+        <a:cs typeface="+mn-cs"/>
+      </a:defRPr>
+    </a:lvl3pPr>
+    <a:lvl4pPr marL="1371600" algn="l" defTabSz="914400" rtl="0" eaLnBrk="1" latinLnBrk="0" hangingPunct="1">
+      <a:defRPr sz="1200" kern="1200">
+        <a:solidFill>
+          <a:schemeClr val="tx1"/>
+        </a:solidFill>
+        <a:latin typeface="+mn-lt"/>
+        <a:ea typeface="+mn-ea"/>
+        <a:cs typeface="+mn-cs"/>
+      </a:defRPr>
+    </a:lvl4pPr>
+    <a:lvl5pPr marL="1828800" algn="l" defTabSz="914400" rtl="0" eaLnBrk="1" latinLnBrk="0" hangingPunct="1">
+      <a:defRPr sz="1200" kern="1200">
+        <a:solidFill>
+          <a:schemeClr val="tx1"/>
+        </a:solidFill>
+        <a:latin typeface="+mn-lt"/>
+        <a:ea typeface="+mn-ea"/>
+        <a:cs typeface="+mn-cs"/>
+      </a:defRPr>
+    </a:lvl5pPr>
+    <a:lvl6pPr marL="2286000" algn="l" defTabSz="914400" rtl="0" eaLnBrk="1" latinLnBrk="0" hangingPunct="1">
+      <a:defRPr sz="1200" kern="1200">
+        <a:solidFill>
+          <a:schemeClr val="tx1"/>
+        </a:solidFill>
+        <a:latin typeface="+mn-lt"/>
+        <a:ea typeface="+mn-ea"/>
+        <a:cs typeface="+mn-cs"/>
+      </a:defRPr>
+    </a:lvl6pPr>
+    <a:lvl7pPr marL="2743200" algn="l" defTabSz="914400" rtl="0" eaLnBrk="1" latinLnBrk="0" hangingPunct="1">
+      <a:defRPr sz="1200" kern="1200">
+        <a:solidFill>
+          <a:schemeClr val="tx1"/>
+        </a:solidFill>
+        <a:latin typeface="+mn-lt"/>
+        <a:ea typeface="+mn-ea"/>
+        <a:cs typeface="+mn-cs"/>
+      </a:defRPr>
+    </a:lvl7pPr>
+    <a:lvl8pPr marL="3200400" algn="l" defTabSz="914400" rtl="0" eaLnBrk="1" latinLnBrk="0" hangingPunct="1">
+      <a:defRPr sz="1200" kern="1200">
+        <a:solidFill>
+          <a:schemeClr val="tx1"/>
+        </a:solidFill>
+        <a:latin typeface="+mn-lt"/>
+        <a:ea typeface="+mn-ea"/>
+        <a:cs typeface="+mn-cs"/>
+      </a:defRPr>
+    </a:lvl8pPr>
+    <a:lvl9pPr marL="3657600" algn="l" defTabSz="914400" rtl="0" eaLnBrk="1" latinLnBrk="0" hangingPunct="1">
+      <a:defRPr sz="1200" kern="1200">
+        <a:solidFill>
+          <a:schemeClr val="tx1"/>
+        </a:solidFill>
+        <a:latin typeface="+mn-lt"/>
+        <a:ea typeface="+mn-ea"/>
+        <a:cs typeface="+mn-cs"/>
+      </a:defRPr>
+    </a:lvl9pPr>
+  </p:notesStyle>
+</p:notesMaster>
+</file>
+
+<file path=ppt/notesSlides/notesSlide1.xml><?xml version="1.0" encoding="utf-8"?>
+<p:notes xmlns:a="http://schemas.openxmlformats.org/drawingml/2006/main" xmlns:r="http://schemas.openxmlformats.org/officeDocument/2006/relationships" xmlns:p="http://schemas.openxmlformats.org/presentationml/2006/main">
+  <p:cSld>
+    <p:spTree>
+      <p:nvGrpSpPr>
+        <p:cNvPr id="1" name=""/>
+        <p:cNvGrpSpPr/>
+        <p:nvPr/>
+      </p:nvGrpSpPr>
+      <p:grpSpPr>
+        <a:xfrm>
+          <a:off x="0" y="0"/>
+          <a:ext cx="0" cy="0"/>
+          <a:chOff x="0" y="0"/>
+          <a:chExt cx="0" cy="0"/>
+        </a:xfrm>
+      </p:grpSpPr>
+      <p:sp>
+        <p:nvSpPr>
+          <p:cNvPr id="2" name="Slide Image Placeholder 1"/>
+          <p:cNvSpPr>
+            <a:spLocks noGrp="1" noRot="1" noChangeAspect="1"/>
+          </p:cNvSpPr>
+          <p:nvPr>
+            <p:ph type="sldImg"/>
+          </p:nvPr>
+        </p:nvSpPr>
+        <p:spPr/>
+      </p:sp>
+      <p:sp>
+        <p:nvSpPr>
+          <p:cNvPr id="3" name="Notes Placeholder 2"/>
+          <p:cNvSpPr>
+            <a:spLocks noGrp="1"/>
+          </p:cNvSpPr>
+          <p:nvPr>
+            <p:ph type="body" idx="1"/>
+          </p:nvPr>
+        </p:nvSpPr>
+        <p:spPr/>
+        <p:txBody>
+          <a:bodyPr/>
+          <a:lstStyle/>
+          <a:p>
+            <a:endParaRPr lang="en-US" dirty="0"/>
+          </a:p>
+        </p:txBody>
+      </p:sp>
+      <p:sp>
+        <p:nvSpPr>
+          <p:cNvPr id="4" name="Slide Number Placeholder 3"/>
+          <p:cNvSpPr>
+            <a:spLocks noGrp="1"/>
+          </p:cNvSpPr>
+          <p:nvPr>
+            <p:ph type="sldNum" sz="quarter" idx="5"/>
+          </p:nvPr>
+        </p:nvSpPr>
+        <p:spPr/>
+        <p:txBody>
+          <a:bodyPr/>
+          <a:lstStyle/>
+          <a:p>
+            <a:fld id="{FD2A8ECF-3F21-49FB-A2CA-29EF14458E3A}" type="slidenum">
+              <a:rPr lang="en-US" smtClean="0"/>
+              <a:t>1</a:t>
+            </a:fld>
+            <a:endParaRPr lang="en-US"/>
+          </a:p>
+        </p:txBody>
+      </p:sp>
+    </p:spTree>
+    <p:extLst>
+      <p:ext uri="{BB962C8B-B14F-4D97-AF65-F5344CB8AC3E}">
+        <p14:creationId xmlns:p14="http://schemas.microsoft.com/office/powerpoint/2010/main" val="1357907943"/>
+      </p:ext>
+    </p:extLst>
+  </p:cSld>
+  <p:clrMapOvr>
+    <a:masterClrMapping/>
+  </p:clrMapOvr>
+</p:notes>
+</file>
+
+<file path=ppt/notesSlides/notesSlide2.xml><?xml version="1.0" encoding="utf-8"?>
+<p:notes xmlns:a="http://schemas.openxmlformats.org/drawingml/2006/main" xmlns:r="http://schemas.openxmlformats.org/officeDocument/2006/relationships" xmlns:p="http://schemas.openxmlformats.org/presentationml/2006/main">
+  <p:cSld>
+    <p:spTree>
+      <p:nvGrpSpPr>
+        <p:cNvPr id="1" name=""/>
+        <p:cNvGrpSpPr/>
+        <p:nvPr/>
+      </p:nvGrpSpPr>
+      <p:grpSpPr>
+        <a:xfrm>
+          <a:off x="0" y="0"/>
+          <a:ext cx="0" cy="0"/>
+          <a:chOff x="0" y="0"/>
+          <a:chExt cx="0" cy="0"/>
+        </a:xfrm>
+      </p:grpSpPr>
+      <p:sp>
+        <p:nvSpPr>
+          <p:cNvPr id="2" name="Slide Image Placeholder 1"/>
+          <p:cNvSpPr>
+            <a:spLocks noGrp="1" noRot="1" noChangeAspect="1"/>
+          </p:cNvSpPr>
+          <p:nvPr>
+            <p:ph type="sldImg"/>
+          </p:nvPr>
+        </p:nvSpPr>
+        <p:spPr/>
+      </p:sp>
+      <p:sp>
+        <p:nvSpPr>
+          <p:cNvPr id="3" name="Notes Placeholder 2"/>
+          <p:cNvSpPr>
+            <a:spLocks noGrp="1"/>
+          </p:cNvSpPr>
+          <p:nvPr>
+            <p:ph type="body" idx="1"/>
+          </p:nvPr>
+        </p:nvSpPr>
+        <p:spPr/>
+        <p:txBody>
+          <a:bodyPr/>
+          <a:lstStyle/>
+          <a:p>
+            <a:pPr marL="171450" indent="-171450">
+              <a:buFontTx/>
+              <a:buChar char="-"/>
+            </a:pPr>
+            <a:r>
+              <a:rPr lang="en-US" dirty="0"/>
+              <a:t>Maybe change the box color or reduce transparency of boxes</a:t>
+            </a:r>
+          </a:p>
+          <a:p>
+            <a:pPr marL="171450" indent="-171450">
+              <a:buFontTx/>
+              <a:buChar char="-"/>
+            </a:pPr>
+            <a:r>
+              <a:rPr lang="en-US" dirty="0"/>
+              <a:t>Break process/results into bullets</a:t>
+            </a:r>
+          </a:p>
+          <a:p>
+            <a:pPr marL="171450" indent="-171450">
+              <a:buFontTx/>
+              <a:buChar char="-"/>
+            </a:pPr>
+            <a:r>
+              <a:rPr lang="en-US" dirty="0"/>
+              <a:t>Upload another draft of this poster, and email it to mark to get more comments (Deadline: Monday, 12/13, @Noon)</a:t>
+            </a:r>
+          </a:p>
+        </p:txBody>
+      </p:sp>
+      <p:sp>
+        <p:nvSpPr>
+          <p:cNvPr id="4" name="Slide Number Placeholder 3"/>
+          <p:cNvSpPr>
+            <a:spLocks noGrp="1"/>
+          </p:cNvSpPr>
+          <p:nvPr>
+            <p:ph type="sldNum" sz="quarter" idx="5"/>
+          </p:nvPr>
+        </p:nvSpPr>
+        <p:spPr/>
+        <p:txBody>
+          <a:bodyPr/>
+          <a:lstStyle/>
+          <a:p>
+            <a:fld id="{FD2A8ECF-3F21-49FB-A2CA-29EF14458E3A}" type="slidenum">
+              <a:rPr lang="en-US" smtClean="0"/>
+              <a:t>3</a:t>
+            </a:fld>
+            <a:endParaRPr lang="en-US"/>
+          </a:p>
+        </p:txBody>
+      </p:sp>
+    </p:spTree>
+    <p:extLst>
+      <p:ext uri="{BB962C8B-B14F-4D97-AF65-F5344CB8AC3E}">
+        <p14:creationId xmlns:p14="http://schemas.microsoft.com/office/powerpoint/2010/main" val="3238965583"/>
+      </p:ext>
+    </p:extLst>
+  </p:cSld>
+  <p:clrMapOvr>
+    <a:masterClrMapping/>
+  </p:clrMapOvr>
+</p:notes>
+</file>
+
 <file path=ppt/slideLayouts/slideLayout1.xml><?xml version="1.0" encoding="utf-8"?>
 <p:sldLayout xmlns:a="http://schemas.openxmlformats.org/drawingml/2006/main" xmlns:r="http://schemas.openxmlformats.org/officeDocument/2006/relationships" xmlns:p="http://schemas.openxmlformats.org/presentationml/2006/main" type="title" preserve="1">
   <p:cSld name="Title Slide">
@@ -244,7 +792,7 @@
           <a:p>
             <a:fld id="{F41C2562-C414-48F0-B6A8-C2A2CC007AC1}" type="datetimeFigureOut">
               <a:rPr lang="en-US" smtClean="0"/>
-              <a:t>12/6/2020</a:t>
+              <a:t>12/10/2020</a:t>
             </a:fld>
             <a:endParaRPr lang="en-US"/>
           </a:p>
@@ -414,7 +962,7 @@
           <a:p>
             <a:fld id="{F41C2562-C414-48F0-B6A8-C2A2CC007AC1}" type="datetimeFigureOut">
               <a:rPr lang="en-US" smtClean="0"/>
-              <a:t>12/6/2020</a:t>
+              <a:t>12/10/2020</a:t>
             </a:fld>
             <a:endParaRPr lang="en-US"/>
           </a:p>
@@ -594,7 +1142,7 @@
           <a:p>
             <a:fld id="{F41C2562-C414-48F0-B6A8-C2A2CC007AC1}" type="datetimeFigureOut">
               <a:rPr lang="en-US" smtClean="0"/>
-              <a:t>12/6/2020</a:t>
+              <a:t>12/10/2020</a:t>
             </a:fld>
             <a:endParaRPr lang="en-US"/>
           </a:p>
@@ -764,7 +1312,7 @@
           <a:p>
             <a:fld id="{F41C2562-C414-48F0-B6A8-C2A2CC007AC1}" type="datetimeFigureOut">
               <a:rPr lang="en-US" smtClean="0"/>
-              <a:t>12/6/2020</a:t>
+              <a:t>12/10/2020</a:t>
             </a:fld>
             <a:endParaRPr lang="en-US"/>
           </a:p>
@@ -1008,7 +1556,7 @@
           <a:p>
             <a:fld id="{F41C2562-C414-48F0-B6A8-C2A2CC007AC1}" type="datetimeFigureOut">
               <a:rPr lang="en-US" smtClean="0"/>
-              <a:t>12/6/2020</a:t>
+              <a:t>12/10/2020</a:t>
             </a:fld>
             <a:endParaRPr lang="en-US"/>
           </a:p>
@@ -1240,7 +1788,7 @@
           <a:p>
             <a:fld id="{F41C2562-C414-48F0-B6A8-C2A2CC007AC1}" type="datetimeFigureOut">
               <a:rPr lang="en-US" smtClean="0"/>
-              <a:t>12/6/2020</a:t>
+              <a:t>12/10/2020</a:t>
             </a:fld>
             <a:endParaRPr lang="en-US"/>
           </a:p>
@@ -1607,7 +2155,7 @@
           <a:p>
             <a:fld id="{F41C2562-C414-48F0-B6A8-C2A2CC007AC1}" type="datetimeFigureOut">
               <a:rPr lang="en-US" smtClean="0"/>
-              <a:t>12/6/2020</a:t>
+              <a:t>12/10/2020</a:t>
             </a:fld>
             <a:endParaRPr lang="en-US"/>
           </a:p>
@@ -1725,7 +2273,7 @@
           <a:p>
             <a:fld id="{F41C2562-C414-48F0-B6A8-C2A2CC007AC1}" type="datetimeFigureOut">
               <a:rPr lang="en-US" smtClean="0"/>
-              <a:t>12/6/2020</a:t>
+              <a:t>12/10/2020</a:t>
             </a:fld>
             <a:endParaRPr lang="en-US"/>
           </a:p>
@@ -1820,7 +2368,7 @@
           <a:p>
             <a:fld id="{F41C2562-C414-48F0-B6A8-C2A2CC007AC1}" type="datetimeFigureOut">
               <a:rPr lang="en-US" smtClean="0"/>
-              <a:t>12/6/2020</a:t>
+              <a:t>12/10/2020</a:t>
             </a:fld>
             <a:endParaRPr lang="en-US"/>
           </a:p>
@@ -2097,7 +2645,7 @@
           <a:p>
             <a:fld id="{F41C2562-C414-48F0-B6A8-C2A2CC007AC1}" type="datetimeFigureOut">
               <a:rPr lang="en-US" smtClean="0"/>
-              <a:t>12/6/2020</a:t>
+              <a:t>12/10/2020</a:t>
             </a:fld>
             <a:endParaRPr lang="en-US"/>
           </a:p>
@@ -2354,7 +2902,7 @@
           <a:p>
             <a:fld id="{F41C2562-C414-48F0-B6A8-C2A2CC007AC1}" type="datetimeFigureOut">
               <a:rPr lang="en-US" smtClean="0"/>
-              <a:t>12/6/2020</a:t>
+              <a:t>12/10/2020</a:t>
             </a:fld>
             <a:endParaRPr lang="en-US"/>
           </a:p>
@@ -2567,7 +3115,7 @@
           <a:p>
             <a:fld id="{F41C2562-C414-48F0-B6A8-C2A2CC007AC1}" type="datetimeFigureOut">
               <a:rPr lang="en-US" smtClean="0"/>
-              <a:t>12/6/2020</a:t>
+              <a:t>12/10/2020</a:t>
             </a:fld>
             <a:endParaRPr lang="en-US"/>
           </a:p>
@@ -2961,13 +3509,13 @@
     <p:bg>
       <p:bgPr>
         <a:blipFill dpi="0" rotWithShape="1">
-          <a:blip r:embed="rId2">
+          <a:blip r:embed="rId3">
             <a:alphaModFix amt="75000"/>
             <a:lum/>
           </a:blip>
           <a:srcRect/>
           <a:stretch>
-            <a:fillRect l="-25000" r="-28000"/>
+            <a:fillRect/>
           </a:stretch>
         </a:blipFill>
         <a:effectLst/>
@@ -3122,7 +3670,14 @@
             <a:pPr algn="ctr"/>
             <a:r>
               <a:rPr lang="en-US" sz="6000" dirty="0"/>
-              <a:t>Introduction</a:t>
+              <a:t>Introduction:</a:t>
+            </a:r>
+          </a:p>
+          <a:p>
+            <a:pPr algn="ctr"/>
+            <a:r>
+              <a:rPr lang="en-US" sz="6000" dirty="0"/>
+              <a:t>Give a brief overview of the project and why it matters</a:t>
             </a:r>
           </a:p>
         </p:txBody>
@@ -3176,7 +3731,14 @@
             <a:pPr algn="ctr"/>
             <a:r>
               <a:rPr lang="en-US" sz="6000" dirty="0"/>
-              <a:t>Background</a:t>
+              <a:t>Background:</a:t>
+            </a:r>
+          </a:p>
+          <a:p>
+            <a:pPr algn="ctr"/>
+            <a:r>
+              <a:rPr lang="en-US" sz="6000" dirty="0"/>
+              <a:t>Explain why I decided to do this project</a:t>
             </a:r>
           </a:p>
         </p:txBody>
@@ -3230,7 +3792,14 @@
             <a:pPr algn="ctr"/>
             <a:r>
               <a:rPr lang="en-US" sz="6000" dirty="0"/>
-              <a:t>Design</a:t>
+              <a:t>Design:</a:t>
+            </a:r>
+          </a:p>
+          <a:p>
+            <a:pPr algn="ctr"/>
+            <a:r>
+              <a:rPr lang="en-US" sz="6000" dirty="0"/>
+              <a:t>Talk about the design decisions that led to the final project</a:t>
             </a:r>
           </a:p>
         </p:txBody>
@@ -3284,7 +3853,25 @@
             <a:pPr algn="ctr"/>
             <a:r>
               <a:rPr lang="en-US" sz="6000" dirty="0"/>
-              <a:t>Process</a:t>
+              <a:t>Process:</a:t>
+            </a:r>
+          </a:p>
+          <a:p>
+            <a:pPr algn="ctr"/>
+            <a:r>
+              <a:rPr lang="en-US" sz="6000" dirty="0"/>
+              <a:t>Interviewed a dozen software development professionals and asked them to describe their experiences with burnout. </a:t>
+            </a:r>
+          </a:p>
+          <a:p>
+            <a:pPr algn="ctr"/>
+            <a:endParaRPr lang="en-US" sz="6000" dirty="0"/>
+          </a:p>
+          <a:p>
+            <a:pPr algn="ctr"/>
+            <a:r>
+              <a:rPr lang="en-US" sz="6000" dirty="0"/>
+              <a:t>Each person was asked to describe burnout in their own words, describe the signs they present when burning out and while burnt out, then explain what practices they use to prevent burnout, and what they do to break out of burnout.</a:t>
             </a:r>
           </a:p>
         </p:txBody>
@@ -3303,8 +3890,8 @@
         </p:nvSpPr>
         <p:spPr>
           <a:xfrm>
-            <a:off x="25516108" y="4440182"/>
-            <a:ext cx="8839203" cy="26159070"/>
+            <a:off x="25516108" y="6879771"/>
+            <a:ext cx="8839203" cy="21279892"/>
           </a:xfrm>
           <a:prstGeom prst="roundRect">
             <a:avLst/>
@@ -3338,7 +3925,14 @@
             <a:pPr algn="ctr"/>
             <a:r>
               <a:rPr lang="en-US" sz="6000" dirty="0"/>
-              <a:t>Results</a:t>
+              <a:t>Results:</a:t>
+            </a:r>
+          </a:p>
+          <a:p>
+            <a:pPr algn="ctr"/>
+            <a:r>
+              <a:rPr lang="en-US" sz="6000" dirty="0"/>
+              <a:t>Summarize the results section of my paper here</a:t>
             </a:r>
           </a:p>
         </p:txBody>
@@ -3357,8 +3951,8 @@
         </p:nvSpPr>
         <p:spPr>
           <a:xfrm>
-            <a:off x="35051997" y="4483725"/>
-            <a:ext cx="8839203" cy="26159070"/>
+            <a:off x="35051997" y="12017829"/>
+            <a:ext cx="8839203" cy="11090862"/>
           </a:xfrm>
           <a:prstGeom prst="roundRect">
             <a:avLst/>
@@ -3392,7 +3986,14 @@
             <a:pPr algn="ctr"/>
             <a:r>
               <a:rPr lang="en-US" sz="6000" dirty="0"/>
-              <a:t>Conclusion</a:t>
+              <a:t>Conclusion:</a:t>
+            </a:r>
+          </a:p>
+          <a:p>
+            <a:pPr algn="ctr"/>
+            <a:r>
+              <a:rPr lang="en-US" sz="6000" dirty="0"/>
+              <a:t>End with a thoughtful piece of advice that wraps everything up.</a:t>
             </a:r>
           </a:p>
         </p:txBody>
@@ -3629,6 +4230,110 @@
     <p:extLst>
       <p:ext uri="{BB962C8B-B14F-4D97-AF65-F5344CB8AC3E}">
         <p14:creationId xmlns:p14="http://schemas.microsoft.com/office/powerpoint/2010/main" val="2573592561"/>
+      </p:ext>
+    </p:extLst>
+  </p:cSld>
+  <p:clrMapOvr>
+    <a:masterClrMapping/>
+  </p:clrMapOvr>
+</p:sld>
+</file>
+
+<file path=ppt/slides/slide3.xml><?xml version="1.0" encoding="utf-8"?>
+<p:sld xmlns:a="http://schemas.openxmlformats.org/drawingml/2006/main" xmlns:r="http://schemas.openxmlformats.org/officeDocument/2006/relationships" xmlns:p="http://schemas.openxmlformats.org/presentationml/2006/main">
+  <p:cSld>
+    <p:spTree>
+      <p:nvGrpSpPr>
+        <p:cNvPr id="1" name=""/>
+        <p:cNvGrpSpPr/>
+        <p:nvPr/>
+      </p:nvGrpSpPr>
+      <p:grpSpPr>
+        <a:xfrm>
+          <a:off x="0" y="0"/>
+          <a:ext cx="0" cy="0"/>
+          <a:chOff x="0" y="0"/>
+          <a:chExt cx="0" cy="0"/>
+        </a:xfrm>
+      </p:grpSpPr>
+      <p:sp>
+        <p:nvSpPr>
+          <p:cNvPr id="2" name="Title 1">
+            <a:extLst>
+              <a:ext uri="{FF2B5EF4-FFF2-40B4-BE49-F238E27FC236}">
+                <a16:creationId xmlns:a16="http://schemas.microsoft.com/office/drawing/2014/main" id="{A4AABA62-045B-4920-9238-8210103AB31B}"/>
+              </a:ext>
+            </a:extLst>
+          </p:cNvPr>
+          <p:cNvSpPr>
+            <a:spLocks noGrp="1"/>
+          </p:cNvSpPr>
+          <p:nvPr>
+            <p:ph type="title"/>
+          </p:nvPr>
+        </p:nvSpPr>
+        <p:spPr/>
+        <p:txBody>
+          <a:bodyPr/>
+          <a:lstStyle/>
+          <a:p>
+            <a:endParaRPr lang="en-US"/>
+          </a:p>
+        </p:txBody>
+      </p:sp>
+      <p:sp>
+        <p:nvSpPr>
+          <p:cNvPr id="3" name="Content Placeholder 2">
+            <a:extLst>
+              <a:ext uri="{FF2B5EF4-FFF2-40B4-BE49-F238E27FC236}">
+                <a16:creationId xmlns:a16="http://schemas.microsoft.com/office/drawing/2014/main" id="{3513D0E8-26A8-4192-8232-D1DBD562321D}"/>
+              </a:ext>
+            </a:extLst>
+          </p:cNvPr>
+          <p:cNvSpPr>
+            <a:spLocks noGrp="1"/>
+          </p:cNvSpPr>
+          <p:nvPr>
+            <p:ph idx="1"/>
+          </p:nvPr>
+        </p:nvSpPr>
+        <p:spPr/>
+        <p:txBody>
+          <a:bodyPr/>
+          <a:lstStyle/>
+          <a:p>
+            <a:r>
+              <a:rPr lang="en-US" dirty="0"/>
+              <a:t>Add slide that introduces myself, and ties my topic to the idea of understanding an industry</a:t>
+            </a:r>
+          </a:p>
+          <a:p>
+            <a:pPr lvl="1"/>
+            <a:r>
+              <a:rPr lang="en-US" dirty="0"/>
+              <a:t>Personal strategies to prevent burnout in software development</a:t>
+            </a:r>
+          </a:p>
+          <a:p>
+            <a:pPr lvl="2"/>
+            <a:r>
+              <a:rPr lang="en-US" dirty="0"/>
+              <a:t>Introduces topic and a few key points</a:t>
+            </a:r>
+          </a:p>
+          <a:p>
+            <a:endParaRPr lang="en-US" dirty="0"/>
+          </a:p>
+          <a:p>
+            <a:pPr lvl="1"/>
+            <a:endParaRPr lang="en-US" dirty="0"/>
+          </a:p>
+        </p:txBody>
+      </p:sp>
+    </p:spTree>
+    <p:extLst>
+      <p:ext uri="{BB962C8B-B14F-4D97-AF65-F5344CB8AC3E}">
+        <p14:creationId xmlns:p14="http://schemas.microsoft.com/office/powerpoint/2010/main" val="1585574635"/>
       </p:ext>
     </p:extLst>
   </p:cSld>
@@ -3897,4 +4602,299 @@
     </a:ext>
   </a:extLst>
 </a:theme>
+</file>
+
+<file path=ppt/theme/theme2.xml><?xml version="1.0" encoding="utf-8"?>
+<a:theme xmlns:a="http://schemas.openxmlformats.org/drawingml/2006/main" name="Office Theme">
+  <a:themeElements>
+    <a:clrScheme name="Office">
+      <a:dk1>
+        <a:sysClr val="windowText" lastClr="000000"/>
+      </a:dk1>
+      <a:lt1>
+        <a:sysClr val="window" lastClr="FFFFFF"/>
+      </a:lt1>
+      <a:dk2>
+        <a:srgbClr val="44546A"/>
+      </a:dk2>
+      <a:lt2>
+        <a:srgbClr val="E7E6E6"/>
+      </a:lt2>
+      <a:accent1>
+        <a:srgbClr val="4472C4"/>
+      </a:accent1>
+      <a:accent2>
+        <a:srgbClr val="ED7D31"/>
+      </a:accent2>
+      <a:accent3>
+        <a:srgbClr val="A5A5A5"/>
+      </a:accent3>
+      <a:accent4>
+        <a:srgbClr val="FFC000"/>
+      </a:accent4>
+      <a:accent5>
+        <a:srgbClr val="5B9BD5"/>
+      </a:accent5>
+      <a:accent6>
+        <a:srgbClr val="70AD47"/>
+      </a:accent6>
+      <a:hlink>
+        <a:srgbClr val="0563C1"/>
+      </a:hlink>
+      <a:folHlink>
+        <a:srgbClr val="954F72"/>
+      </a:folHlink>
+    </a:clrScheme>
+    <a:fontScheme name="Office">
+      <a:majorFont>
+        <a:latin typeface="Calibri Light" panose="020F0302020204030204"/>
+        <a:ea typeface=""/>
+        <a:cs typeface=""/>
+        <a:font script="Jpan" typeface="游ゴシック Light"/>
+        <a:font script="Hang" typeface="맑은 고딕"/>
+        <a:font script="Hans" typeface="等线 Light"/>
+        <a:font script="Hant" typeface="新細明體"/>
+        <a:font script="Arab" typeface="Times New Roman"/>
+        <a:font script="Hebr" typeface="Times New Roman"/>
+        <a:font script="Thai" typeface="Angsana New"/>
+        <a:font script="Ethi" typeface="Nyala"/>
+        <a:font script="Beng" typeface="Vrinda"/>
+        <a:font script="Gujr" typeface="Shruti"/>
+        <a:font script="Khmr" typeface="MoolBoran"/>
+        <a:font script="Knda" typeface="Tunga"/>
+        <a:font script="Guru" typeface="Raavi"/>
+        <a:font script="Cans" typeface="Euphemia"/>
+        <a:font script="Cher" typeface="Plantagenet Cherokee"/>
+        <a:font script="Yiii" typeface="Microsoft Yi Baiti"/>
+        <a:font script="Tibt" typeface="Microsoft Himalaya"/>
+        <a:font script="Thaa" typeface="MV Boli"/>
+        <a:font script="Deva" typeface="Mangal"/>
+        <a:font script="Telu" typeface="Gautami"/>
+        <a:font script="Taml" typeface="Latha"/>
+        <a:font script="Syrc" typeface="Estrangelo Edessa"/>
+        <a:font script="Orya" typeface="Kalinga"/>
+        <a:font script="Mlym" typeface="Kartika"/>
+        <a:font script="Laoo" typeface="DokChampa"/>
+        <a:font script="Sinh" typeface="Iskoola Pota"/>
+        <a:font script="Mong" typeface="Mongolian Baiti"/>
+        <a:font script="Viet" typeface="Times New Roman"/>
+        <a:font script="Uigh" typeface="Microsoft Uighur"/>
+        <a:font script="Geor" typeface="Sylfaen"/>
+        <a:font script="Armn" typeface="Arial"/>
+        <a:font script="Bugi" typeface="Leelawadee UI"/>
+        <a:font script="Bopo" typeface="Microsoft JhengHei"/>
+        <a:font script="Java" typeface="Javanese Text"/>
+        <a:font script="Lisu" typeface="Segoe UI"/>
+        <a:font script="Mymr" typeface="Myanmar Text"/>
+        <a:font script="Nkoo" typeface="Ebrima"/>
+        <a:font script="Olck" typeface="Nirmala UI"/>
+        <a:font script="Osma" typeface="Ebrima"/>
+        <a:font script="Phag" typeface="Phagspa"/>
+        <a:font script="Syrn" typeface="Estrangelo Edessa"/>
+        <a:font script="Syrj" typeface="Estrangelo Edessa"/>
+        <a:font script="Syre" typeface="Estrangelo Edessa"/>
+        <a:font script="Sora" typeface="Nirmala UI"/>
+        <a:font script="Tale" typeface="Microsoft Tai Le"/>
+        <a:font script="Talu" typeface="Microsoft New Tai Lue"/>
+        <a:font script="Tfng" typeface="Ebrima"/>
+      </a:majorFont>
+      <a:minorFont>
+        <a:latin typeface="Calibri" panose="020F0502020204030204"/>
+        <a:ea typeface=""/>
+        <a:cs typeface=""/>
+        <a:font script="Jpan" typeface="游ゴシック"/>
+        <a:font script="Hang" typeface="맑은 고딕"/>
+        <a:font script="Hans" typeface="等线"/>
+        <a:font script="Hant" typeface="新細明體"/>
+        <a:font script="Arab" typeface="Arial"/>
+        <a:font script="Hebr" typeface="Arial"/>
+        <a:font script="Thai" typeface="Cordia New"/>
+        <a:font script="Ethi" typeface="Nyala"/>
+        <a:font script="Beng" typeface="Vrinda"/>
+        <a:font script="Gujr" typeface="Shruti"/>
+        <a:font script="Khmr" typeface="DaunPenh"/>
+        <a:font script="Knda" typeface="Tunga"/>
+        <a:font script="Guru" typeface="Raavi"/>
+        <a:font script="Cans" typeface="Euphemia"/>
+        <a:font script="Cher" typeface="Plantagenet Cherokee"/>
+        <a:font script="Yiii" typeface="Microsoft Yi Baiti"/>
+        <a:font script="Tibt" typeface="Microsoft Himalaya"/>
+        <a:font script="Thaa" typeface="MV Boli"/>
+        <a:font script="Deva" typeface="Mangal"/>
+        <a:font script="Telu" typeface="Gautami"/>
+        <a:font script="Taml" typeface="Latha"/>
+        <a:font script="Syrc" typeface="Estrangelo Edessa"/>
+        <a:font script="Orya" typeface="Kalinga"/>
+        <a:font script="Mlym" typeface="Kartika"/>
+        <a:font script="Laoo" typeface="DokChampa"/>
+        <a:font script="Sinh" typeface="Iskoola Pota"/>
+        <a:font script="Mong" typeface="Mongolian Baiti"/>
+        <a:font script="Viet" typeface="Arial"/>
+        <a:font script="Uigh" typeface="Microsoft Uighur"/>
+        <a:font script="Geor" typeface="Sylfaen"/>
+        <a:font script="Armn" typeface="Arial"/>
+        <a:font script="Bugi" typeface="Leelawadee UI"/>
+        <a:font script="Bopo" typeface="Microsoft JhengHei"/>
+        <a:font script="Java" typeface="Javanese Text"/>
+        <a:font script="Lisu" typeface="Segoe UI"/>
+        <a:font script="Mymr" typeface="Myanmar Text"/>
+        <a:font script="Nkoo" typeface="Ebrima"/>
+        <a:font script="Olck" typeface="Nirmala UI"/>
+        <a:font script="Osma" typeface="Ebrima"/>
+        <a:font script="Phag" typeface="Phagspa"/>
+        <a:font script="Syrn" typeface="Estrangelo Edessa"/>
+        <a:font script="Syrj" typeface="Estrangelo Edessa"/>
+        <a:font script="Syre" typeface="Estrangelo Edessa"/>
+        <a:font script="Sora" typeface="Nirmala UI"/>
+        <a:font script="Tale" typeface="Microsoft Tai Le"/>
+        <a:font script="Talu" typeface="Microsoft New Tai Lue"/>
+        <a:font script="Tfng" typeface="Ebrima"/>
+      </a:minorFont>
+    </a:fontScheme>
+    <a:fmtScheme name="Office">
+      <a:fillStyleLst>
+        <a:solidFill>
+          <a:schemeClr val="phClr"/>
+        </a:solidFill>
+        <a:gradFill rotWithShape="1">
+          <a:gsLst>
+            <a:gs pos="0">
+              <a:schemeClr val="phClr">
+                <a:lumMod val="110000"/>
+                <a:satMod val="105000"/>
+                <a:tint val="67000"/>
+              </a:schemeClr>
+            </a:gs>
+            <a:gs pos="50000">
+              <a:schemeClr val="phClr">
+                <a:lumMod val="105000"/>
+                <a:satMod val="103000"/>
+                <a:tint val="73000"/>
+              </a:schemeClr>
+            </a:gs>
+            <a:gs pos="100000">
+              <a:schemeClr val="phClr">
+                <a:lumMod val="105000"/>
+                <a:satMod val="109000"/>
+                <a:tint val="81000"/>
+              </a:schemeClr>
+            </a:gs>
+          </a:gsLst>
+          <a:lin ang="5400000" scaled="0"/>
+        </a:gradFill>
+        <a:gradFill rotWithShape="1">
+          <a:gsLst>
+            <a:gs pos="0">
+              <a:schemeClr val="phClr">
+                <a:satMod val="103000"/>
+                <a:lumMod val="102000"/>
+                <a:tint val="94000"/>
+              </a:schemeClr>
+            </a:gs>
+            <a:gs pos="50000">
+              <a:schemeClr val="phClr">
+                <a:satMod val="110000"/>
+                <a:lumMod val="100000"/>
+                <a:shade val="100000"/>
+              </a:schemeClr>
+            </a:gs>
+            <a:gs pos="100000">
+              <a:schemeClr val="phClr">
+                <a:lumMod val="99000"/>
+                <a:satMod val="120000"/>
+                <a:shade val="78000"/>
+              </a:schemeClr>
+            </a:gs>
+          </a:gsLst>
+          <a:lin ang="5400000" scaled="0"/>
+        </a:gradFill>
+      </a:fillStyleLst>
+      <a:lnStyleLst>
+        <a:ln w="6350" cap="flat" cmpd="sng" algn="ctr">
+          <a:solidFill>
+            <a:schemeClr val="phClr"/>
+          </a:solidFill>
+          <a:prstDash val="solid"/>
+          <a:miter lim="800000"/>
+        </a:ln>
+        <a:ln w="12700" cap="flat" cmpd="sng" algn="ctr">
+          <a:solidFill>
+            <a:schemeClr val="phClr"/>
+          </a:solidFill>
+          <a:prstDash val="solid"/>
+          <a:miter lim="800000"/>
+        </a:ln>
+        <a:ln w="19050" cap="flat" cmpd="sng" algn="ctr">
+          <a:solidFill>
+            <a:schemeClr val="phClr"/>
+          </a:solidFill>
+          <a:prstDash val="solid"/>
+          <a:miter lim="800000"/>
+        </a:ln>
+      </a:lnStyleLst>
+      <a:effectStyleLst>
+        <a:effectStyle>
+          <a:effectLst/>
+        </a:effectStyle>
+        <a:effectStyle>
+          <a:effectLst/>
+        </a:effectStyle>
+        <a:effectStyle>
+          <a:effectLst>
+            <a:outerShdw blurRad="57150" dist="19050" dir="5400000" algn="ctr" rotWithShape="0">
+              <a:srgbClr val="000000">
+                <a:alpha val="63000"/>
+              </a:srgbClr>
+            </a:outerShdw>
+          </a:effectLst>
+        </a:effectStyle>
+      </a:effectStyleLst>
+      <a:bgFillStyleLst>
+        <a:solidFill>
+          <a:schemeClr val="phClr"/>
+        </a:solidFill>
+        <a:solidFill>
+          <a:schemeClr val="phClr">
+            <a:tint val="95000"/>
+            <a:satMod val="170000"/>
+          </a:schemeClr>
+        </a:solidFill>
+        <a:gradFill rotWithShape="1">
+          <a:gsLst>
+            <a:gs pos="0">
+              <a:schemeClr val="phClr">
+                <a:tint val="93000"/>
+                <a:satMod val="150000"/>
+                <a:shade val="98000"/>
+                <a:lumMod val="102000"/>
+              </a:schemeClr>
+            </a:gs>
+            <a:gs pos="50000">
+              <a:schemeClr val="phClr">
+                <a:tint val="98000"/>
+                <a:satMod val="130000"/>
+                <a:shade val="90000"/>
+                <a:lumMod val="103000"/>
+              </a:schemeClr>
+            </a:gs>
+            <a:gs pos="100000">
+              <a:schemeClr val="phClr">
+                <a:shade val="63000"/>
+                <a:satMod val="120000"/>
+              </a:schemeClr>
+            </a:gs>
+          </a:gsLst>
+          <a:lin ang="5400000" scaled="0"/>
+        </a:gradFill>
+      </a:bgFillStyleLst>
+    </a:fmtScheme>
+  </a:themeElements>
+  <a:objectDefaults/>
+  <a:extraClrSchemeLst/>
+  <a:extLst>
+    <a:ext uri="{05A4C25C-085E-4340-85A3-A5531E510DB2}">
+      <thm15:themeFamily xmlns:thm15="http://schemas.microsoft.com/office/thememl/2012/main" name="Office Theme" id="{62F939B6-93AF-4DB8-9C6B-D6C7DFDC589F}" vid="{4A3C46E8-61CC-4603-A589-7422A47A8E4A}"/>
+    </a:ext>
+  </a:extLst>
+</a:theme>
 </file>